--- a/Carpeta Documentos/GC-F-004_Formato_Plantilla_Presentación_Power_Point_V.06.pptx
+++ b/Carpeta Documentos/GC-F-004_Formato_Plantilla_Presentación_Power_Point_V.06.pptx
@@ -26,6 +26,7 @@
     <p:sldId id="271" r:id="rId21"/>
     <p:sldId id="272" r:id="rId22"/>
     <p:sldId id="273" r:id="rId23"/>
+    <p:sldId id="274" r:id="rId24"/>
   </p:sldIdLst>
   <p:sldSz cy="5143500" cx="9144000"/>
   <p:notesSz cx="6858000" cy="9144000"/>
@@ -274,7 +275,7 @@
       </p15:sldGuideLst>
     </p:ext>
     <p:ext uri="http://customooxmlschemas.google.com/">
-      <go:slidesCustomData xmlns:go="http://customooxmlschemas.google.com/" r:id="rId24" roundtripDataSignature="AMtx7mi5E95DCV/vJFP+gCiTzkmv7adWAQ=="/>
+      <go:slidesCustomData xmlns:go="http://customooxmlschemas.google.com/" r:id="rId25" roundtripDataSignature="AMtx7mgQLmTGKYQmAo/yNlimbffz7VXJ8w=="/>
     </p:ext>
   </p:extLst>
 </p:presentation>
@@ -1305,7 +1306,7 @@
   <p:cSld>
     <p:spTree>
       <p:nvGrpSpPr>
-        <p:cNvPr id="163" name="Shape 163"/>
+        <p:cNvPr id="164" name="Shape 164"/>
         <p:cNvGrpSpPr/>
         <p:nvPr/>
       </p:nvGrpSpPr>
@@ -1319,7 +1320,7 @@
       </p:grpSpPr>
       <p:sp>
         <p:nvSpPr>
-          <p:cNvPr id="164" name="Google Shape;164;p6:notes"/>
+          <p:cNvPr id="165" name="Google Shape;165;p6:notes"/>
           <p:cNvSpPr txBox="1"/>
           <p:nvPr>
             <p:ph idx="1" type="body"/>
@@ -1358,7 +1359,7 @@
       </p:sp>
       <p:sp>
         <p:nvSpPr>
-          <p:cNvPr id="165" name="Google Shape;165;p6:notes"/>
+          <p:cNvPr id="166" name="Google Shape;166;p6:notes"/>
           <p:cNvSpPr/>
           <p:nvPr>
             <p:ph idx="2" type="sldImg"/>
@@ -1404,7 +1405,7 @@
   <p:cSld>
     <p:spTree>
       <p:nvGrpSpPr>
-        <p:cNvPr id="178" name="Shape 178"/>
+        <p:cNvPr id="179" name="Shape 179"/>
         <p:cNvGrpSpPr/>
         <p:nvPr/>
       </p:nvGrpSpPr>
@@ -1418,7 +1419,7 @@
       </p:grpSpPr>
       <p:sp>
         <p:nvSpPr>
-          <p:cNvPr id="179" name="Google Shape;179;ge095a832cc_0_66:notes"/>
+          <p:cNvPr id="180" name="Google Shape;180;ge095a832cc_0_66:notes"/>
           <p:cNvSpPr txBox="1"/>
           <p:nvPr>
             <p:ph idx="1" type="body"/>
@@ -1457,7 +1458,7 @@
       </p:sp>
       <p:sp>
         <p:nvSpPr>
-          <p:cNvPr id="180" name="Google Shape;180;ge095a832cc_0_66:notes"/>
+          <p:cNvPr id="181" name="Google Shape;181;ge095a832cc_0_66:notes"/>
           <p:cNvSpPr/>
           <p:nvPr>
             <p:ph idx="2" type="sldImg"/>
@@ -1503,7 +1504,7 @@
   <p:cSld>
     <p:spTree>
       <p:nvGrpSpPr>
-        <p:cNvPr id="192" name="Shape 192"/>
+        <p:cNvPr id="193" name="Shape 193"/>
         <p:cNvGrpSpPr/>
         <p:nvPr/>
       </p:nvGrpSpPr>
@@ -1517,7 +1518,7 @@
       </p:grpSpPr>
       <p:sp>
         <p:nvSpPr>
-          <p:cNvPr id="193" name="Google Shape;193;gddd6da7488_0_14:notes"/>
+          <p:cNvPr id="194" name="Google Shape;194;gddd6da7488_0_14:notes"/>
           <p:cNvSpPr txBox="1"/>
           <p:nvPr>
             <p:ph idx="1" type="body"/>
@@ -1556,7 +1557,7 @@
       </p:sp>
       <p:sp>
         <p:nvSpPr>
-          <p:cNvPr id="194" name="Google Shape;194;gddd6da7488_0_14:notes"/>
+          <p:cNvPr id="195" name="Google Shape;195;gddd6da7488_0_14:notes"/>
           <p:cNvSpPr/>
           <p:nvPr>
             <p:ph idx="2" type="sldImg"/>
@@ -1602,7 +1603,7 @@
   <p:cSld>
     <p:spTree>
       <p:nvGrpSpPr>
-        <p:cNvPr id="204" name="Shape 204"/>
+        <p:cNvPr id="205" name="Shape 205"/>
         <p:cNvGrpSpPr/>
         <p:nvPr/>
       </p:nvGrpSpPr>
@@ -1616,7 +1617,7 @@
       </p:grpSpPr>
       <p:sp>
         <p:nvSpPr>
-          <p:cNvPr id="205" name="Google Shape;205;p8:notes"/>
+          <p:cNvPr id="206" name="Google Shape;206;ge31800b126_1_0:notes"/>
           <p:cNvSpPr txBox="1"/>
           <p:nvPr>
             <p:ph idx="1" type="body"/>
@@ -1655,7 +1656,106 @@
       </p:sp>
       <p:sp>
         <p:nvSpPr>
-          <p:cNvPr id="206" name="Google Shape;206;p8:notes"/>
+          <p:cNvPr id="207" name="Google Shape;207;ge31800b126_1_0:notes"/>
+          <p:cNvSpPr/>
+          <p:nvPr>
+            <p:ph idx="2" type="sldImg"/>
+          </p:nvPr>
+        </p:nvSpPr>
+        <p:spPr>
+          <a:xfrm>
+            <a:off x="1143225" y="685800"/>
+            <a:ext cx="4572300" cy="3429000"/>
+          </a:xfrm>
+          <a:custGeom>
+            <a:rect b="b" l="l" r="r" t="t"/>
+            <a:pathLst>
+              <a:path extrusionOk="0" h="120000" w="120000">
+                <a:moveTo>
+                  <a:pt x="0" y="0"/>
+                </a:moveTo>
+                <a:lnTo>
+                  <a:pt x="120000" y="0"/>
+                </a:lnTo>
+                <a:lnTo>
+                  <a:pt x="120000" y="120000"/>
+                </a:lnTo>
+                <a:lnTo>
+                  <a:pt x="0" y="120000"/>
+                </a:lnTo>
+                <a:close/>
+              </a:path>
+            </a:pathLst>
+          </a:custGeom>
+        </p:spPr>
+      </p:sp>
+    </p:spTree>
+  </p:cSld>
+  <p:clrMapOvr>
+    <a:masterClrMapping/>
+  </p:clrMapOvr>
+</p:notes>
+</file>
+
+<file path=ppt/notesSlides/notesSlide19.xml><?xml version="1.0" encoding="utf-8"?>
+<p:notes xmlns:a="http://schemas.openxmlformats.org/drawingml/2006/main" xmlns:r="http://schemas.openxmlformats.org/officeDocument/2006/relationships" xmlns:mc="http://schemas.openxmlformats.org/markup-compatibility/2006" xmlns:mv="urn:schemas-microsoft-com:mac:vml" xmlns:p="http://schemas.openxmlformats.org/presentationml/2006/main" xmlns:c="http://schemas.openxmlformats.org/drawingml/2006/chart" xmlns:dgm="http://schemas.openxmlformats.org/drawingml/2006/diagram" xmlns:o="urn:schemas-microsoft-com:office:office" xmlns:v="urn:schemas-microsoft-com:vml" xmlns:pvml="urn:schemas-microsoft-com:office:powerpoint" xmlns:com="http://schemas.openxmlformats.org/drawingml/2006/compatibility" xmlns:p14="http://schemas.microsoft.com/office/powerpoint/2010/main" xmlns:p15="http://schemas.microsoft.com/office/powerpoint/2012/main" xmlns:ahyp="http://schemas.microsoft.com/office/drawing/2018/hyperlinkcolor" showMasterPhAnim="0" showMasterSp="0">
+  <p:cSld>
+    <p:spTree>
+      <p:nvGrpSpPr>
+        <p:cNvPr id="214" name="Shape 214"/>
+        <p:cNvGrpSpPr/>
+        <p:nvPr/>
+      </p:nvGrpSpPr>
+      <p:grpSpPr>
+        <a:xfrm>
+          <a:off x="0" y="0"/>
+          <a:ext cx="0" cy="0"/>
+          <a:chOff x="0" y="0"/>
+          <a:chExt cx="0" cy="0"/>
+        </a:xfrm>
+      </p:grpSpPr>
+      <p:sp>
+        <p:nvSpPr>
+          <p:cNvPr id="215" name="Google Shape;215;p8:notes"/>
+          <p:cNvSpPr txBox="1"/>
+          <p:nvPr>
+            <p:ph idx="1" type="body"/>
+          </p:nvPr>
+        </p:nvSpPr>
+        <p:spPr>
+          <a:xfrm>
+            <a:off x="685800" y="4343400"/>
+            <a:ext cx="5486400" cy="4114800"/>
+          </a:xfrm>
+          <a:prstGeom prst="rect">
+            <a:avLst/>
+          </a:prstGeom>
+        </p:spPr>
+        <p:txBody>
+          <a:bodyPr anchorCtr="0" anchor="t" bIns="91425" lIns="91425" spcFirstLastPara="1" rIns="91425" wrap="square" tIns="91425">
+            <a:noAutofit/>
+          </a:bodyPr>
+          <a:lstStyle/>
+          <a:p>
+            <a:pPr indent="0" lvl="0" marL="0" rtl="0" algn="l">
+              <a:spcBef>
+                <a:spcPts val="0"/>
+              </a:spcBef>
+              <a:spcAft>
+                <a:spcPts val="0"/>
+              </a:spcAft>
+              <a:buNone/>
+            </a:pPr>
+            <a:r>
+              <a:t/>
+            </a:r>
+            <a:endParaRPr/>
+          </a:p>
+        </p:txBody>
+      </p:sp>
+      <p:sp>
+        <p:nvSpPr>
+          <p:cNvPr id="216" name="Google Shape;216;p8:notes"/>
           <p:cNvSpPr/>
           <p:nvPr>
             <p:ph idx="2" type="sldImg"/>
@@ -8812,8 +8912,8 @@
         </p:nvSpPr>
         <p:spPr>
           <a:xfrm>
-            <a:off x="772325" y="1399850"/>
-            <a:ext cx="6554100" cy="3111600"/>
+            <a:off x="772325" y="1288375"/>
+            <a:ext cx="8057100" cy="3223200"/>
           </a:xfrm>
           <a:prstGeom prst="rect">
             <a:avLst/>
@@ -8856,7 +8956,7 @@
                 <a:cs typeface="Calibri"/>
                 <a:sym typeface="Calibri"/>
               </a:rPr>
-              <a:t>           Generar un gran impacto en cada usuario que interaccione con el aplicativo.</a:t>
+              <a:t>          Generar un gran impacto en cada usuario que interaccione con el aplicativo.</a:t>
             </a:r>
             <a:endParaRPr sz="1600">
               <a:solidFill>
@@ -8896,7 +8996,47 @@
                 <a:cs typeface="Calibri"/>
                 <a:sym typeface="Calibri"/>
               </a:rPr>
-              <a:t>           Satisfacer las </a:t>
+              <a:t>           </a:t>
+            </a:r>
+            <a:endParaRPr sz="1600">
+              <a:solidFill>
+                <a:srgbClr val="404040"/>
+              </a:solidFill>
+              <a:latin typeface="Calibri"/>
+              <a:ea typeface="Calibri"/>
+              <a:cs typeface="Calibri"/>
+              <a:sym typeface="Calibri"/>
+            </a:endParaRPr>
+          </a:p>
+          <a:p>
+            <a:pPr indent="457200" lvl="0" marL="0" rtl="0" algn="l">
+              <a:lnSpc>
+                <a:spcPct val="107916"/>
+              </a:lnSpc>
+              <a:spcBef>
+                <a:spcPts val="800"/>
+              </a:spcBef>
+              <a:spcAft>
+                <a:spcPts val="0"/>
+              </a:spcAft>
+              <a:buClr>
+                <a:schemeClr val="dk1"/>
+              </a:buClr>
+              <a:buSzPts val="1100"/>
+              <a:buFont typeface="Arial"/>
+              <a:buNone/>
+            </a:pPr>
+            <a:r>
+              <a:rPr lang="es-ES" sz="1600">
+                <a:solidFill>
+                  <a:srgbClr val="404040"/>
+                </a:solidFill>
+                <a:latin typeface="Calibri"/>
+                <a:ea typeface="Calibri"/>
+                <a:cs typeface="Calibri"/>
+                <a:sym typeface="Calibri"/>
+              </a:rPr>
+              <a:t>Satisfacer las </a:t>
             </a:r>
             <a:r>
               <a:rPr lang="es-ES" sz="1600">
@@ -8960,7 +9100,118 @@
                 <a:cs typeface="Calibri"/>
                 <a:sym typeface="Calibri"/>
               </a:rPr>
-              <a:t>           Tendrá actualizaciones respecto a fallos o mejoras.</a:t>
+              <a:t>           </a:t>
+            </a:r>
+            <a:endParaRPr sz="1600">
+              <a:solidFill>
+                <a:srgbClr val="404040"/>
+              </a:solidFill>
+              <a:latin typeface="Calibri"/>
+              <a:ea typeface="Calibri"/>
+              <a:cs typeface="Calibri"/>
+              <a:sym typeface="Calibri"/>
+            </a:endParaRPr>
+          </a:p>
+          <a:p>
+            <a:pPr indent="457200" lvl="0" marL="0" rtl="0" algn="l">
+              <a:lnSpc>
+                <a:spcPct val="107916"/>
+              </a:lnSpc>
+              <a:spcBef>
+                <a:spcPts val="800"/>
+              </a:spcBef>
+              <a:spcAft>
+                <a:spcPts val="0"/>
+              </a:spcAft>
+              <a:buClr>
+                <a:schemeClr val="dk1"/>
+              </a:buClr>
+              <a:buSzPts val="1100"/>
+              <a:buFont typeface="Arial"/>
+              <a:buNone/>
+            </a:pPr>
+            <a:r>
+              <a:rPr lang="es-ES" sz="1600">
+                <a:solidFill>
+                  <a:srgbClr val="404040"/>
+                </a:solidFill>
+                <a:latin typeface="Calibri"/>
+                <a:ea typeface="Calibri"/>
+                <a:cs typeface="Calibri"/>
+                <a:sym typeface="Calibri"/>
+              </a:rPr>
+              <a:t>Tendrá actualizaciones respecto a fallos o mejoras.</a:t>
+            </a:r>
+            <a:endParaRPr sz="1600">
+              <a:solidFill>
+                <a:srgbClr val="404040"/>
+              </a:solidFill>
+              <a:latin typeface="Calibri"/>
+              <a:ea typeface="Calibri"/>
+              <a:cs typeface="Calibri"/>
+              <a:sym typeface="Calibri"/>
+            </a:endParaRPr>
+          </a:p>
+          <a:p>
+            <a:pPr indent="457200" lvl="0" marL="0" rtl="0" algn="l">
+              <a:lnSpc>
+                <a:spcPct val="107916"/>
+              </a:lnSpc>
+              <a:spcBef>
+                <a:spcPts val="800"/>
+              </a:spcBef>
+              <a:spcAft>
+                <a:spcPts val="0"/>
+              </a:spcAft>
+              <a:buClr>
+                <a:schemeClr val="dk1"/>
+              </a:buClr>
+              <a:buSzPts val="1100"/>
+              <a:buFont typeface="Arial"/>
+              <a:buNone/>
+            </a:pPr>
+            <a:r>
+              <a:t/>
+            </a:r>
+            <a:endParaRPr sz="1600">
+              <a:solidFill>
+                <a:srgbClr val="404040"/>
+              </a:solidFill>
+              <a:latin typeface="Calibri"/>
+              <a:ea typeface="Calibri"/>
+              <a:cs typeface="Calibri"/>
+              <a:sym typeface="Calibri"/>
+            </a:endParaRPr>
+          </a:p>
+          <a:p>
+            <a:pPr indent="457200" lvl="0" marL="0" rtl="0" algn="l">
+              <a:lnSpc>
+                <a:spcPct val="107916"/>
+              </a:lnSpc>
+              <a:spcBef>
+                <a:spcPts val="800"/>
+              </a:spcBef>
+              <a:spcAft>
+                <a:spcPts val="0"/>
+              </a:spcAft>
+              <a:buClr>
+                <a:schemeClr val="dk1"/>
+              </a:buClr>
+              <a:buSzPts val="1100"/>
+              <a:buFont typeface="Arial"/>
+              <a:buNone/>
+            </a:pPr>
+            <a:r>
+              <a:rPr lang="es-ES" sz="1600">
+                <a:solidFill>
+                  <a:srgbClr val="404040"/>
+                </a:solidFill>
+                <a:latin typeface="Calibri"/>
+                <a:ea typeface="Calibri"/>
+                <a:cs typeface="Calibri"/>
+                <a:sym typeface="Calibri"/>
+              </a:rPr>
+              <a:t>Disponibilidad de consulta para al cliente de la empresa sobre el estado de su dispositivo.</a:t>
             </a:r>
             <a:endParaRPr sz="1600">
               <a:solidFill>
@@ -8991,7 +9242,16 @@
               <a:buNone/>
             </a:pPr>
             <a:r>
-              <a:t/>
+              <a:rPr lang="es-ES" sz="1600">
+                <a:solidFill>
+                  <a:srgbClr val="404040"/>
+                </a:solidFill>
+                <a:latin typeface="Calibri"/>
+                <a:ea typeface="Calibri"/>
+                <a:cs typeface="Calibri"/>
+                <a:sym typeface="Calibri"/>
+              </a:rPr>
+              <a:t>           </a:t>
             </a:r>
             <a:endParaRPr sz="1600">
               <a:solidFill>
@@ -9004,7 +9264,7 @@
             </a:endParaRPr>
           </a:p>
           <a:p>
-            <a:pPr indent="0" lvl="0" marL="0" rtl="0" algn="l">
+            <a:pPr indent="457200" lvl="0" marL="0" rtl="0" algn="l">
               <a:lnSpc>
                 <a:spcPct val="107916"/>
               </a:lnSpc>
@@ -9031,47 +9291,7 @@
                 <a:cs typeface="Calibri"/>
                 <a:sym typeface="Calibri"/>
               </a:rPr>
-              <a:t>           Disponibilidad de consulta para al cliente de la empresa sobre el estado de su dispositivo.</a:t>
-            </a:r>
-            <a:endParaRPr sz="1600">
-              <a:solidFill>
-                <a:srgbClr val="404040"/>
-              </a:solidFill>
-              <a:latin typeface="Calibri"/>
-              <a:ea typeface="Calibri"/>
-              <a:cs typeface="Calibri"/>
-              <a:sym typeface="Calibri"/>
-            </a:endParaRPr>
-          </a:p>
-          <a:p>
-            <a:pPr indent="0" lvl="0" marL="0" rtl="0" algn="l">
-              <a:lnSpc>
-                <a:spcPct val="107916"/>
-              </a:lnSpc>
-              <a:spcBef>
-                <a:spcPts val="800"/>
-              </a:spcBef>
-              <a:spcAft>
-                <a:spcPts val="0"/>
-              </a:spcAft>
-              <a:buClr>
-                <a:schemeClr val="dk1"/>
-              </a:buClr>
-              <a:buSzPts val="1100"/>
-              <a:buFont typeface="Arial"/>
-              <a:buNone/>
-            </a:pPr>
-            <a:r>
-              <a:rPr lang="es-ES" sz="1600">
-                <a:solidFill>
-                  <a:srgbClr val="404040"/>
-                </a:solidFill>
-                <a:latin typeface="Calibri"/>
-                <a:ea typeface="Calibri"/>
-                <a:cs typeface="Calibri"/>
-                <a:sym typeface="Calibri"/>
-              </a:rPr>
-              <a:t>           Seguimiento del progreso de la empresa por mes.</a:t>
+              <a:t>Seguimiento del progreso de la empresa por mes.</a:t>
             </a:r>
             <a:endParaRPr sz="1600">
               <a:solidFill>
@@ -9124,7 +9344,7 @@
         </p:nvSpPr>
         <p:spPr>
           <a:xfrm>
-            <a:off x="898975" y="1399850"/>
+            <a:off x="898975" y="1311475"/>
             <a:ext cx="390000" cy="354000"/>
           </a:xfrm>
           <a:prstGeom prst="smileyFace">
@@ -9179,7 +9399,7 @@
         </p:nvSpPr>
         <p:spPr>
           <a:xfrm>
-            <a:off x="898975" y="2052600"/>
+            <a:off x="898975" y="1996863"/>
             <a:ext cx="390000" cy="354000"/>
           </a:xfrm>
           <a:prstGeom prst="smileyFace">
@@ -9234,7 +9454,7 @@
         </p:nvSpPr>
         <p:spPr>
           <a:xfrm>
-            <a:off x="898975" y="2705350"/>
+            <a:off x="898975" y="2722975"/>
             <a:ext cx="390000" cy="354000"/>
           </a:xfrm>
           <a:prstGeom prst="smileyFace">
@@ -9289,7 +9509,7 @@
         </p:nvSpPr>
         <p:spPr>
           <a:xfrm>
-            <a:off x="898975" y="3307125"/>
+            <a:off x="898975" y="3449075"/>
             <a:ext cx="390000" cy="354000"/>
           </a:xfrm>
           <a:prstGeom prst="smileyFace">
@@ -9344,7 +9564,7 @@
         </p:nvSpPr>
         <p:spPr>
           <a:xfrm>
-            <a:off x="898975" y="4010850"/>
+            <a:off x="898975" y="4175175"/>
             <a:ext cx="390000" cy="354000"/>
           </a:xfrm>
           <a:prstGeom prst="smileyFace">
@@ -9985,8 +10205,34 @@
         </p:blipFill>
         <p:spPr>
           <a:xfrm>
-            <a:off x="1490825" y="1212250"/>
+            <a:off x="1630200" y="1288375"/>
             <a:ext cx="5883601" cy="3259150"/>
+          </a:xfrm>
+          <a:prstGeom prst="rect">
+            <a:avLst/>
+          </a:prstGeom>
+          <a:noFill/>
+          <a:ln cap="flat" cmpd="sng" w="28575">
+            <a:solidFill>
+              <a:srgbClr val="000000"/>
+            </a:solidFill>
+            <a:prstDash val="solid"/>
+            <a:round/>
+            <a:headEnd len="sm" w="sm" type="none"/>
+            <a:tailEnd len="sm" w="sm" type="none"/>
+          </a:ln>
+        </p:spPr>
+      </p:pic>
+      <p:sp>
+        <p:nvSpPr>
+          <p:cNvPr id="163" name="Google Shape;163;ge135511360_3_3"/>
+          <p:cNvSpPr txBox="1"/>
+          <p:nvPr/>
+        </p:nvSpPr>
+        <p:spPr>
+          <a:xfrm>
+            <a:off x="9605325" y="3210050"/>
+            <a:ext cx="7138800" cy="832800"/>
           </a:xfrm>
           <a:prstGeom prst="rect">
             <a:avLst/>
@@ -9996,7 +10242,33 @@
             <a:noFill/>
           </a:ln>
         </p:spPr>
-      </p:pic>
+        <p:txBody>
+          <a:bodyPr anchorCtr="0" anchor="t" bIns="91425" lIns="91425" spcFirstLastPara="1" rIns="91425" wrap="square" tIns="91425">
+            <a:spAutoFit/>
+          </a:bodyPr>
+          <a:lstStyle/>
+          <a:p>
+            <a:pPr indent="0" lvl="0" marL="0" rtl="0" algn="l">
+              <a:spcBef>
+                <a:spcPts val="0"/>
+              </a:spcBef>
+              <a:spcAft>
+                <a:spcPts val="0"/>
+              </a:spcAft>
+              <a:buNone/>
+            </a:pPr>
+            <a:r>
+              <a:t/>
+            </a:r>
+            <a:endParaRPr>
+              <a:latin typeface="Calibri"/>
+              <a:ea typeface="Calibri"/>
+              <a:cs typeface="Calibri"/>
+              <a:sym typeface="Calibri"/>
+            </a:endParaRPr>
+          </a:p>
+        </p:txBody>
+      </p:sp>
     </p:spTree>
   </p:cSld>
   <p:clrMapOvr>
@@ -10010,7 +10282,7 @@
   <p:cSld>
     <p:spTree>
       <p:nvGrpSpPr>
-        <p:cNvPr id="166" name="Shape 166"/>
+        <p:cNvPr id="167" name="Shape 167"/>
         <p:cNvGrpSpPr/>
         <p:nvPr/>
       </p:nvGrpSpPr>
@@ -10024,7 +10296,7 @@
       </p:grpSpPr>
       <p:sp>
         <p:nvSpPr>
-          <p:cNvPr id="167" name="Google Shape;167;p6"/>
+          <p:cNvPr id="168" name="Google Shape;168;p6"/>
           <p:cNvSpPr txBox="1"/>
           <p:nvPr/>
         </p:nvSpPr>
@@ -10074,7 +10346,7 @@
       </p:sp>
       <p:sp>
         <p:nvSpPr>
-          <p:cNvPr id="168" name="Google Shape;168;p6"/>
+          <p:cNvPr id="169" name="Google Shape;169;p6"/>
           <p:cNvSpPr/>
           <p:nvPr/>
         </p:nvSpPr>
@@ -10134,7 +10406,7 @@
       </p:sp>
       <p:sp>
         <p:nvSpPr>
-          <p:cNvPr id="169" name="Google Shape;169;p6"/>
+          <p:cNvPr id="170" name="Google Shape;170;p6"/>
           <p:cNvSpPr txBox="1"/>
           <p:nvPr/>
         </p:nvSpPr>
@@ -10188,7 +10460,7 @@
       </p:sp>
       <p:pic>
         <p:nvPicPr>
-          <p:cNvPr id="170" name="Google Shape;170;p6"/>
+          <p:cNvPr id="171" name="Google Shape;171;p6"/>
           <p:cNvPicPr preferRelativeResize="0"/>
           <p:nvPr/>
         </p:nvPicPr>
@@ -10216,7 +10488,7 @@
       </p:pic>
       <p:pic>
         <p:nvPicPr>
-          <p:cNvPr id="171" name="Google Shape;171;p6"/>
+          <p:cNvPr id="172" name="Google Shape;172;p6"/>
           <p:cNvPicPr preferRelativeResize="0"/>
           <p:nvPr/>
         </p:nvPicPr>
@@ -10244,7 +10516,7 @@
       </p:pic>
       <p:pic>
         <p:nvPicPr>
-          <p:cNvPr id="172" name="Google Shape;172;p6"/>
+          <p:cNvPr id="173" name="Google Shape;173;p6"/>
           <p:cNvPicPr preferRelativeResize="0"/>
           <p:nvPr/>
         </p:nvPicPr>
@@ -10272,7 +10544,7 @@
       </p:pic>
       <p:pic>
         <p:nvPicPr>
-          <p:cNvPr id="173" name="Google Shape;173;p6"/>
+          <p:cNvPr id="174" name="Google Shape;174;p6"/>
           <p:cNvPicPr preferRelativeResize="0"/>
           <p:nvPr/>
         </p:nvPicPr>
@@ -10300,7 +10572,7 @@
       </p:pic>
       <p:sp>
         <p:nvSpPr>
-          <p:cNvPr id="174" name="Google Shape;174;p6"/>
+          <p:cNvPr id="175" name="Google Shape;175;p6"/>
           <p:cNvSpPr txBox="1"/>
           <p:nvPr/>
         </p:nvSpPr>
@@ -10354,7 +10626,7 @@
       </p:sp>
       <p:pic>
         <p:nvPicPr>
-          <p:cNvPr id="175" name="Google Shape;175;p6"/>
+          <p:cNvPr id="176" name="Google Shape;176;p6"/>
           <p:cNvPicPr preferRelativeResize="0"/>
           <p:nvPr/>
         </p:nvPicPr>
@@ -10381,7 +10653,7 @@
       </p:pic>
       <p:pic>
         <p:nvPicPr>
-          <p:cNvPr id="176" name="Google Shape;176;p6"/>
+          <p:cNvPr id="177" name="Google Shape;177;p6"/>
           <p:cNvPicPr preferRelativeResize="0"/>
           <p:nvPr/>
         </p:nvPicPr>
@@ -10409,7 +10681,7 @@
       </p:pic>
       <p:sp>
         <p:nvSpPr>
-          <p:cNvPr id="177" name="Google Shape;177;p6"/>
+          <p:cNvPr id="178" name="Google Shape;178;p6"/>
           <p:cNvSpPr/>
           <p:nvPr/>
         </p:nvSpPr>
@@ -10480,7 +10752,7 @@
   <p:cSld>
     <p:spTree>
       <p:nvGrpSpPr>
-        <p:cNvPr id="181" name="Shape 181"/>
+        <p:cNvPr id="182" name="Shape 182"/>
         <p:cNvGrpSpPr/>
         <p:nvPr/>
       </p:nvGrpSpPr>
@@ -10494,7 +10766,7 @@
       </p:grpSpPr>
       <p:sp>
         <p:nvSpPr>
-          <p:cNvPr id="182" name="Google Shape;182;ge095a832cc_0_66"/>
+          <p:cNvPr id="183" name="Google Shape;183;ge095a832cc_0_66"/>
           <p:cNvSpPr txBox="1"/>
           <p:nvPr/>
         </p:nvSpPr>
@@ -10540,7 +10812,7 @@
       </p:sp>
       <p:sp>
         <p:nvSpPr>
-          <p:cNvPr id="183" name="Google Shape;183;ge095a832cc_0_66"/>
+          <p:cNvPr id="184" name="Google Shape;184;ge095a832cc_0_66"/>
           <p:cNvSpPr txBox="1"/>
           <p:nvPr/>
         </p:nvSpPr>
@@ -10594,7 +10866,7 @@
       </p:sp>
       <p:sp>
         <p:nvSpPr>
-          <p:cNvPr id="184" name="Google Shape;184;ge095a832cc_0_66"/>
+          <p:cNvPr id="185" name="Google Shape;185;ge095a832cc_0_66"/>
           <p:cNvSpPr/>
           <p:nvPr/>
         </p:nvSpPr>
@@ -10645,7 +10917,7 @@
       </p:sp>
       <p:sp>
         <p:nvSpPr>
-          <p:cNvPr id="185" name="Google Shape;185;ge095a832cc_0_66"/>
+          <p:cNvPr id="186" name="Google Shape;186;ge095a832cc_0_66"/>
           <p:cNvSpPr txBox="1"/>
           <p:nvPr/>
         </p:nvSpPr>
@@ -10723,7 +10995,7 @@
       </p:sp>
       <p:pic>
         <p:nvPicPr>
-          <p:cNvPr id="186" name="Google Shape;186;ge095a832cc_0_66"/>
+          <p:cNvPr id="187" name="Google Shape;187;ge095a832cc_0_66"/>
           <p:cNvPicPr preferRelativeResize="0"/>
           <p:nvPr/>
         </p:nvPicPr>
@@ -10751,7 +11023,7 @@
       </p:pic>
       <p:pic>
         <p:nvPicPr>
-          <p:cNvPr id="187" name="Google Shape;187;ge095a832cc_0_66"/>
+          <p:cNvPr id="188" name="Google Shape;188;ge095a832cc_0_66"/>
           <p:cNvPicPr preferRelativeResize="0"/>
           <p:nvPr/>
         </p:nvPicPr>
@@ -10779,7 +11051,7 @@
       </p:pic>
       <p:pic>
         <p:nvPicPr>
-          <p:cNvPr id="188" name="Google Shape;188;ge095a832cc_0_66"/>
+          <p:cNvPr id="189" name="Google Shape;189;ge095a832cc_0_66"/>
           <p:cNvPicPr preferRelativeResize="0"/>
           <p:nvPr/>
         </p:nvPicPr>
@@ -10807,7 +11079,7 @@
       </p:pic>
       <p:pic>
         <p:nvPicPr>
-          <p:cNvPr id="189" name="Google Shape;189;ge095a832cc_0_66"/>
+          <p:cNvPr id="190" name="Google Shape;190;ge095a832cc_0_66"/>
           <p:cNvPicPr preferRelativeResize="0"/>
           <p:nvPr/>
         </p:nvPicPr>
@@ -10835,7 +11107,7 @@
       </p:pic>
       <p:pic>
         <p:nvPicPr>
-          <p:cNvPr id="190" name="Google Shape;190;ge095a832cc_0_66"/>
+          <p:cNvPr id="191" name="Google Shape;191;ge095a832cc_0_66"/>
           <p:cNvPicPr preferRelativeResize="0"/>
           <p:nvPr/>
         </p:nvPicPr>
@@ -10863,7 +11135,7 @@
       </p:pic>
       <p:pic>
         <p:nvPicPr>
-          <p:cNvPr id="191" name="Google Shape;191;ge095a832cc_0_66"/>
+          <p:cNvPr id="192" name="Google Shape;192;ge095a832cc_0_66"/>
           <p:cNvPicPr preferRelativeResize="0"/>
           <p:nvPr/>
         </p:nvPicPr>
@@ -10902,7 +11174,7 @@
   <p:cSld>
     <p:spTree>
       <p:nvGrpSpPr>
-        <p:cNvPr id="195" name="Shape 195"/>
+        <p:cNvPr id="196" name="Shape 196"/>
         <p:cNvGrpSpPr/>
         <p:nvPr/>
       </p:nvGrpSpPr>
@@ -10916,7 +11188,7 @@
       </p:grpSpPr>
       <p:sp>
         <p:nvSpPr>
-          <p:cNvPr id="196" name="Google Shape;196;gddd6da7488_0_14"/>
+          <p:cNvPr id="197" name="Google Shape;197;gddd6da7488_0_14"/>
           <p:cNvSpPr txBox="1"/>
           <p:nvPr/>
         </p:nvSpPr>
@@ -10962,7 +11234,7 @@
       </p:sp>
       <p:sp>
         <p:nvSpPr>
-          <p:cNvPr id="197" name="Google Shape;197;gddd6da7488_0_14"/>
+          <p:cNvPr id="198" name="Google Shape;198;gddd6da7488_0_14"/>
           <p:cNvSpPr txBox="1"/>
           <p:nvPr/>
         </p:nvSpPr>
@@ -11016,7 +11288,7 @@
       </p:sp>
       <p:sp>
         <p:nvSpPr>
-          <p:cNvPr id="198" name="Google Shape;198;gddd6da7488_0_14"/>
+          <p:cNvPr id="199" name="Google Shape;199;gddd6da7488_0_14"/>
           <p:cNvSpPr/>
           <p:nvPr/>
         </p:nvSpPr>
@@ -11067,7 +11339,7 @@
       </p:sp>
       <p:sp>
         <p:nvSpPr>
-          <p:cNvPr id="199" name="Google Shape;199;gddd6da7488_0_14"/>
+          <p:cNvPr id="200" name="Google Shape;200;gddd6da7488_0_14"/>
           <p:cNvSpPr txBox="1"/>
           <p:nvPr/>
         </p:nvSpPr>
@@ -11121,7 +11393,7 @@
       </p:sp>
       <p:pic>
         <p:nvPicPr>
-          <p:cNvPr id="200" name="Google Shape;200;gddd6da7488_0_14"/>
+          <p:cNvPr id="201" name="Google Shape;201;gddd6da7488_0_14"/>
           <p:cNvPicPr preferRelativeResize="0"/>
           <p:nvPr/>
         </p:nvPicPr>
@@ -11149,7 +11421,7 @@
       </p:pic>
       <p:pic>
         <p:nvPicPr>
-          <p:cNvPr id="201" name="Google Shape;201;gddd6da7488_0_14"/>
+          <p:cNvPr id="202" name="Google Shape;202;gddd6da7488_0_14"/>
           <p:cNvPicPr preferRelativeResize="0"/>
           <p:nvPr/>
         </p:nvPicPr>
@@ -11177,7 +11449,7 @@
       </p:pic>
       <p:pic>
         <p:nvPicPr>
-          <p:cNvPr id="202" name="Google Shape;202;gddd6da7488_0_14"/>
+          <p:cNvPr id="203" name="Google Shape;203;gddd6da7488_0_14"/>
           <p:cNvPicPr preferRelativeResize="0"/>
           <p:nvPr/>
         </p:nvPicPr>
@@ -11205,7 +11477,7 @@
       </p:pic>
       <p:pic>
         <p:nvPicPr>
-          <p:cNvPr id="203" name="Google Shape;203;gddd6da7488_0_14"/>
+          <p:cNvPr id="204" name="Google Shape;204;gddd6da7488_0_14"/>
           <p:cNvPicPr preferRelativeResize="0"/>
           <p:nvPr/>
         </p:nvPicPr>
@@ -11244,7 +11516,356 @@
   <p:cSld>
     <p:spTree>
       <p:nvGrpSpPr>
-        <p:cNvPr id="207" name="Shape 207"/>
+        <p:cNvPr id="208" name="Shape 208"/>
+        <p:cNvGrpSpPr/>
+        <p:nvPr/>
+      </p:nvGrpSpPr>
+      <p:grpSpPr>
+        <a:xfrm>
+          <a:off x="0" y="0"/>
+          <a:ext cx="0" cy="0"/>
+          <a:chOff x="0" y="0"/>
+          <a:chExt cx="0" cy="0"/>
+        </a:xfrm>
+      </p:grpSpPr>
+      <p:sp>
+        <p:nvSpPr>
+          <p:cNvPr id="209" name="Google Shape;209;ge31800b126_1_0"/>
+          <p:cNvSpPr txBox="1"/>
+          <p:nvPr/>
+        </p:nvSpPr>
+        <p:spPr>
+          <a:xfrm>
+            <a:off x="1221175" y="1288375"/>
+            <a:ext cx="7280700" cy="400200"/>
+          </a:xfrm>
+          <a:prstGeom prst="rect">
+            <a:avLst/>
+          </a:prstGeom>
+          <a:noFill/>
+          <a:ln>
+            <a:noFill/>
+          </a:ln>
+        </p:spPr>
+        <p:txBody>
+          <a:bodyPr anchorCtr="0" anchor="t" bIns="91425" lIns="91425" spcFirstLastPara="1" rIns="91425" wrap="square" tIns="91425">
+            <a:spAutoFit/>
+          </a:bodyPr>
+          <a:lstStyle/>
+          <a:p>
+            <a:pPr indent="0" lvl="0" marL="0" rtl="0" algn="l">
+              <a:spcBef>
+                <a:spcPts val="0"/>
+              </a:spcBef>
+              <a:spcAft>
+                <a:spcPts val="0"/>
+              </a:spcAft>
+              <a:buNone/>
+            </a:pPr>
+            <a:r>
+              <a:t/>
+            </a:r>
+            <a:endParaRPr>
+              <a:latin typeface="Calibri"/>
+              <a:ea typeface="Calibri"/>
+              <a:cs typeface="Calibri"/>
+              <a:sym typeface="Calibri"/>
+            </a:endParaRPr>
+          </a:p>
+        </p:txBody>
+      </p:sp>
+      <p:sp>
+        <p:nvSpPr>
+          <p:cNvPr id="210" name="Google Shape;210;ge31800b126_1_0"/>
+          <p:cNvSpPr txBox="1"/>
+          <p:nvPr/>
+        </p:nvSpPr>
+        <p:spPr>
+          <a:xfrm>
+            <a:off x="669150" y="1288375"/>
+            <a:ext cx="7989900" cy="354000"/>
+          </a:xfrm>
+          <a:prstGeom prst="rect">
+            <a:avLst/>
+          </a:prstGeom>
+          <a:noFill/>
+          <a:ln>
+            <a:noFill/>
+          </a:ln>
+        </p:spPr>
+        <p:txBody>
+          <a:bodyPr anchorCtr="0" anchor="t" bIns="91425" lIns="91425" spcFirstLastPara="1" rIns="91425" wrap="square" tIns="91425">
+            <a:spAutoFit/>
+          </a:bodyPr>
+          <a:lstStyle/>
+          <a:p>
+            <a:pPr indent="0" lvl="0" marL="0" rtl="0" algn="l">
+              <a:lnSpc>
+                <a:spcPct val="107916"/>
+              </a:lnSpc>
+              <a:spcBef>
+                <a:spcPts val="0"/>
+              </a:spcBef>
+              <a:spcAft>
+                <a:spcPts val="800"/>
+              </a:spcAft>
+              <a:buClr>
+                <a:schemeClr val="dk1"/>
+              </a:buClr>
+              <a:buSzPts val="1100"/>
+              <a:buFont typeface="Arial"/>
+              <a:buNone/>
+            </a:pPr>
+            <a:r>
+              <a:t/>
+            </a:r>
+            <a:endParaRPr sz="1100">
+              <a:latin typeface="Calibri"/>
+              <a:ea typeface="Calibri"/>
+              <a:cs typeface="Calibri"/>
+              <a:sym typeface="Calibri"/>
+            </a:endParaRPr>
+          </a:p>
+        </p:txBody>
+      </p:sp>
+      <p:sp>
+        <p:nvSpPr>
+          <p:cNvPr id="211" name="Google Shape;211;ge31800b126_1_0"/>
+          <p:cNvSpPr/>
+          <p:nvPr/>
+        </p:nvSpPr>
+        <p:spPr>
+          <a:xfrm>
+            <a:off x="772325" y="878745"/>
+            <a:ext cx="718500" cy="45600"/>
+          </a:xfrm>
+          <a:prstGeom prst="rect">
+            <a:avLst/>
+          </a:prstGeom>
+          <a:solidFill>
+            <a:srgbClr val="FF6600"/>
+          </a:solidFill>
+          <a:ln>
+            <a:noFill/>
+          </a:ln>
+        </p:spPr>
+        <p:txBody>
+          <a:bodyPr anchorCtr="0" anchor="ctr" bIns="45700" lIns="91425" spcFirstLastPara="1" rIns="91425" wrap="square" tIns="45700">
+            <a:noAutofit/>
+          </a:bodyPr>
+          <a:lstStyle/>
+          <a:p>
+            <a:pPr indent="0" lvl="0" marL="0" marR="0" rtl="0" algn="ctr">
+              <a:spcBef>
+                <a:spcPts val="0"/>
+              </a:spcBef>
+              <a:spcAft>
+                <a:spcPts val="0"/>
+              </a:spcAft>
+              <a:buNone/>
+            </a:pPr>
+            <a:r>
+              <a:t/>
+            </a:r>
+            <a:endParaRPr sz="1800">
+              <a:solidFill>
+                <a:schemeClr val="lt1"/>
+              </a:solidFill>
+              <a:latin typeface="Calibri"/>
+              <a:ea typeface="Calibri"/>
+              <a:cs typeface="Calibri"/>
+              <a:sym typeface="Calibri"/>
+            </a:endParaRPr>
+          </a:p>
+        </p:txBody>
+      </p:sp>
+      <p:sp>
+        <p:nvSpPr>
+          <p:cNvPr id="212" name="Google Shape;212;ge31800b126_1_0"/>
+          <p:cNvSpPr txBox="1"/>
+          <p:nvPr/>
+        </p:nvSpPr>
+        <p:spPr>
+          <a:xfrm>
+            <a:off x="696125" y="277850"/>
+            <a:ext cx="6420300" cy="646500"/>
+          </a:xfrm>
+          <a:prstGeom prst="rect">
+            <a:avLst/>
+          </a:prstGeom>
+          <a:noFill/>
+          <a:ln>
+            <a:noFill/>
+          </a:ln>
+        </p:spPr>
+        <p:txBody>
+          <a:bodyPr anchorCtr="0" anchor="t" bIns="45700" lIns="91425" spcFirstLastPara="1" rIns="91425" wrap="square" tIns="45700">
+            <a:spAutoFit/>
+          </a:bodyPr>
+          <a:lstStyle/>
+          <a:p>
+            <a:pPr indent="0" lvl="0" marL="0" marR="0" rtl="0" algn="l">
+              <a:spcBef>
+                <a:spcPts val="0"/>
+              </a:spcBef>
+              <a:spcAft>
+                <a:spcPts val="0"/>
+              </a:spcAft>
+              <a:buNone/>
+            </a:pPr>
+            <a:r>
+              <a:rPr b="1" lang="es-ES" sz="3600">
+                <a:solidFill>
+                  <a:srgbClr val="404040"/>
+                </a:solidFill>
+                <a:latin typeface="Calibri"/>
+                <a:ea typeface="Calibri"/>
+                <a:cs typeface="Calibri"/>
+                <a:sym typeface="Calibri"/>
+              </a:rPr>
+              <a:t>Video demostrativo</a:t>
+            </a:r>
+            <a:endParaRPr>
+              <a:solidFill>
+                <a:srgbClr val="404040"/>
+              </a:solidFill>
+            </a:endParaRPr>
+          </a:p>
+        </p:txBody>
+      </p:sp>
+      <p:pic>
+        <p:nvPicPr>
+          <p:cNvPr id="213" name="Google Shape;213;ge31800b126_1_0" title="Video Demostrativo">
+            <a:hlinkClick r:id="rId3"/>
+          </p:cNvPr>
+          <p:cNvPicPr preferRelativeResize="0"/>
+          <p:nvPr/>
+        </p:nvPicPr>
+        <p:blipFill>
+          <a:blip r:embed="rId4">
+            <a:alphaModFix/>
+          </a:blip>
+          <a:stretch>
+            <a:fillRect/>
+          </a:stretch>
+        </p:blipFill>
+        <p:spPr>
+          <a:xfrm>
+            <a:off x="956400" y="1035375"/>
+            <a:ext cx="7161650" cy="3823075"/>
+          </a:xfrm>
+          <a:prstGeom prst="rect">
+            <a:avLst/>
+          </a:prstGeom>
+          <a:noFill/>
+          <a:ln cap="flat" cmpd="sng" w="28575">
+            <a:solidFill>
+              <a:srgbClr val="434343"/>
+            </a:solidFill>
+            <a:prstDash val="solid"/>
+            <a:round/>
+            <a:headEnd len="sm" w="sm" type="none"/>
+            <a:tailEnd len="sm" w="sm" type="none"/>
+          </a:ln>
+        </p:spPr>
+      </p:pic>
+    </p:spTree>
+  </p:cSld>
+  <p:clrMapOvr>
+    <a:masterClrMapping/>
+  </p:clrMapOvr>
+  <p:timing>
+    <p:tnLst>
+      <p:par>
+        <p:cTn dur="indefinite" nodeType="tmRoot" restart="never">
+          <p:childTnLst>
+            <p:seq concurrent="1" nextAc="seek">
+              <p:cTn dur="indefinite" id="2" nodeType="mainSeq">
+                <p:childTnLst>
+                  <p:par>
+                    <p:cTn fill="hold">
+                      <p:stCondLst>
+                        <p:cond delay="indefinite"/>
+                      </p:stCondLst>
+                      <p:childTnLst>
+                        <p:par>
+                          <p:cTn fill="hold">
+                            <p:stCondLst>
+                              <p:cond delay="0"/>
+                            </p:stCondLst>
+                            <p:childTnLst>
+                              <p:par>
+                                <p:cTn fill="hold" nodeType="clickEffect" presetClass="entr" presetID="10" presetSubtype="0">
+                                  <p:stCondLst>
+                                    <p:cond delay="0"/>
+                                  </p:stCondLst>
+                                  <p:childTnLst>
+                                    <p:set>
+                                      <p:cBhvr>
+                                        <p:cTn dur="1" fill="hold">
+                                          <p:stCondLst>
+                                            <p:cond delay="0"/>
+                                          </p:stCondLst>
+                                        </p:cTn>
+                                        <p:tgtEl>
+                                          <p:spTgt spid="213"/>
+                                        </p:tgtEl>
+                                        <p:attrNameLst>
+                                          <p:attrName>style.visibility</p:attrName>
+                                        </p:attrNameLst>
+                                      </p:cBhvr>
+                                      <p:to>
+                                        <p:strVal val="visible"/>
+                                      </p:to>
+                                    </p:set>
+                                    <p:animEffect filter="fade" transition="in">
+                                      <p:cBhvr>
+                                        <p:cTn dur="1000"/>
+                                        <p:tgtEl>
+                                          <p:spTgt spid="213"/>
+                                        </p:tgtEl>
+                                      </p:cBhvr>
+                                    </p:animEffect>
+                                  </p:childTnLst>
+                                </p:cTn>
+                              </p:par>
+                            </p:childTnLst>
+                          </p:cTn>
+                        </p:par>
+                      </p:childTnLst>
+                    </p:cTn>
+                  </p:par>
+                </p:childTnLst>
+              </p:cTn>
+              <p:prevCondLst>
+                <p:cond evt="onPrev">
+                  <p:tgtEl>
+                    <p:sldTgt/>
+                  </p:tgtEl>
+                </p:cond>
+              </p:prevCondLst>
+              <p:nextCondLst>
+                <p:cond evt="onNext">
+                  <p:tgtEl>
+                    <p:sldTgt/>
+                  </p:tgtEl>
+                </p:cond>
+              </p:nextCondLst>
+            </p:seq>
+          </p:childTnLst>
+        </p:cTn>
+      </p:par>
+    </p:tnLst>
+  </p:timing>
+</p:sld>
+</file>
+
+<file path=ppt/slides/slide19.xml><?xml version="1.0" encoding="utf-8"?>
+<p:sld xmlns:a="http://schemas.openxmlformats.org/drawingml/2006/main" xmlns:r="http://schemas.openxmlformats.org/officeDocument/2006/relationships" xmlns:mc="http://schemas.openxmlformats.org/markup-compatibility/2006" xmlns:mv="urn:schemas-microsoft-com:mac:vml" xmlns:p="http://schemas.openxmlformats.org/presentationml/2006/main" xmlns:c="http://schemas.openxmlformats.org/drawingml/2006/chart" xmlns:dgm="http://schemas.openxmlformats.org/drawingml/2006/diagram" xmlns:o="urn:schemas-microsoft-com:office:office" xmlns:v="urn:schemas-microsoft-com:vml" xmlns:pvml="urn:schemas-microsoft-com:office:powerpoint" xmlns:com="http://schemas.openxmlformats.org/drawingml/2006/compatibility" xmlns:p14="http://schemas.microsoft.com/office/powerpoint/2010/main" xmlns:p15="http://schemas.microsoft.com/office/powerpoint/2012/main" xmlns:ahyp="http://schemas.microsoft.com/office/drawing/2018/hyperlinkcolor">
+  <p:cSld>
+    <p:spTree>
+      <p:nvGrpSpPr>
+        <p:cNvPr id="217" name="Shape 217"/>
         <p:cNvGrpSpPr/>
         <p:nvPr/>
       </p:nvGrpSpPr>
@@ -11455,7 +12076,7 @@
         </p:nvSpPr>
         <p:spPr>
           <a:xfrm>
-            <a:off x="893425" y="3358750"/>
+            <a:off x="5888200" y="3358750"/>
             <a:ext cx="2514600" cy="615600"/>
           </a:xfrm>
           <a:prstGeom prst="rect">
@@ -11488,7 +12109,7 @@
                 <a:cs typeface="Calibri"/>
                 <a:sym typeface="Calibri"/>
               </a:rPr>
-              <a:t>Jorge Hernan Mapura </a:t>
+              <a:t>Jorge Hernán Mapura </a:t>
             </a:r>
             <a:endParaRPr>
               <a:latin typeface="Calibri"/>
@@ -11592,7 +12213,7 @@
                 <a:cs typeface="Calibri"/>
                 <a:sym typeface="Calibri"/>
               </a:rPr>
-              <a:t>Gomez</a:t>
+              <a:t>Gómez</a:t>
             </a:r>
             <a:endParaRPr>
               <a:latin typeface="Calibri"/>
@@ -11611,7 +12232,7 @@
         </p:nvSpPr>
         <p:spPr>
           <a:xfrm>
-            <a:off x="6074300" y="3358750"/>
+            <a:off x="958625" y="3358750"/>
             <a:ext cx="2514600" cy="615600"/>
           </a:xfrm>
           <a:prstGeom prst="rect">
@@ -11715,7 +12336,7 @@
         </p:blipFill>
         <p:spPr>
           <a:xfrm>
-            <a:off x="1345075" y="1636012"/>
+            <a:off x="6307325" y="1636012"/>
             <a:ext cx="1611300" cy="1611300"/>
           </a:xfrm>
           <a:prstGeom prst="rect">
@@ -11771,7 +12392,7 @@
         </p:blipFill>
         <p:spPr>
           <a:xfrm>
-            <a:off x="6455788" y="1539200"/>
+            <a:off x="1361863" y="1539200"/>
             <a:ext cx="1708126" cy="1708126"/>
           </a:xfrm>
           <a:prstGeom prst="rect">
@@ -11999,15 +12620,21 @@
         </p:blipFill>
         <p:spPr>
           <a:xfrm>
-            <a:off x="793225" y="1115450"/>
+            <a:off x="816625" y="1031750"/>
             <a:ext cx="7510750" cy="3731900"/>
           </a:xfrm>
           <a:prstGeom prst="rect">
             <a:avLst/>
           </a:prstGeom>
           <a:noFill/>
-          <a:ln>
-            <a:noFill/>
+          <a:ln cap="flat" cmpd="sng" w="28575">
+            <a:solidFill>
+              <a:srgbClr val="FF00FF"/>
+            </a:solidFill>
+            <a:prstDash val="solid"/>
+            <a:round/>
+            <a:headEnd len="sm" w="sm" type="none"/>
+            <a:tailEnd len="sm" w="sm" type="none"/>
           </a:ln>
         </p:spPr>
       </p:pic>
@@ -12802,8 +13429,36 @@
                 <a:cs typeface="Calibri"/>
                 <a:sym typeface="Calibri"/>
               </a:rPr>
-              <a:t>S</a:t>
-            </a:r>
+              <a:t>Poco orden en los datos.</a:t>
+            </a:r>
+            <a:endParaRPr sz="1600">
+              <a:solidFill>
+                <a:srgbClr val="404040"/>
+              </a:solidFill>
+              <a:latin typeface="Calibri"/>
+              <a:ea typeface="Calibri"/>
+              <a:cs typeface="Calibri"/>
+              <a:sym typeface="Calibri"/>
+            </a:endParaRPr>
+          </a:p>
+          <a:p>
+            <a:pPr indent="-330200" lvl="0" marL="457200" rtl="0" algn="l">
+              <a:lnSpc>
+                <a:spcPct val="107916"/>
+              </a:lnSpc>
+              <a:spcBef>
+                <a:spcPts val="0"/>
+              </a:spcBef>
+              <a:spcAft>
+                <a:spcPts val="0"/>
+              </a:spcAft>
+              <a:buClr>
+                <a:srgbClr val="404040"/>
+              </a:buClr>
+              <a:buSzPts val="1600"/>
+              <a:buFont typeface="Calibri"/>
+              <a:buChar char="●"/>
+            </a:pPr>
             <a:r>
               <a:rPr lang="es-ES" sz="1600">
                 <a:solidFill>
@@ -12814,19 +13469,7 @@
                 <a:cs typeface="Calibri"/>
                 <a:sym typeface="Calibri"/>
               </a:rPr>
-              <a:t>istematización</a:t>
-            </a:r>
-            <a:r>
-              <a:rPr lang="es-ES" sz="1600">
-                <a:solidFill>
-                  <a:srgbClr val="404040"/>
-                </a:solidFill>
-                <a:latin typeface="Calibri"/>
-                <a:ea typeface="Calibri"/>
-                <a:cs typeface="Calibri"/>
-                <a:sym typeface="Calibri"/>
-              </a:rPr>
-              <a:t> de datos.</a:t>
+              <a:t>Pérdida del historial del usuario.</a:t>
             </a:r>
             <a:endParaRPr sz="1600">
               <a:solidFill>
@@ -13508,7 +14151,7 @@
                 <a:cs typeface="Calibri"/>
                 <a:sym typeface="Calibri"/>
               </a:rPr>
-              <a:t>Historial de ingreso de dispositivos por mes.</a:t>
+              <a:t>Historial de ingreso de dispositivos.</a:t>
             </a:r>
             <a:endParaRPr sz="1600">
               <a:solidFill>
@@ -13545,7 +14188,7 @@
                 <a:cs typeface="Calibri"/>
                 <a:sym typeface="Calibri"/>
               </a:rPr>
-              <a:t>Accesibilidad para formar un equipo en el entorno de trabajo.</a:t>
+              <a:t>Accesibilidad para formar equipos de trabajo.</a:t>
             </a:r>
             <a:endParaRPr sz="1600">
               <a:solidFill>
